--- a/L02P04 - Smartlab IOT - Databases/L02P03 - Week 01 - Les.pptx
+++ b/L02P04 - Smartlab IOT - Databases/L02P03 - Week 01 - Les.pptx
@@ -735,20 +735,20 @@
     </pc:docChg>
   </pc:docChgLst>
   <pc:docChgLst>
-    <pc:chgData name="Arjan Kamberg" userId="2cfeac95-aab1-41a7-bca5-796b19d85bc0" providerId="ADAL" clId="{1F68057E-D222-1C44-B14D-8A6BCB7AE3CC}"/>
-    <pc:docChg chg="custSel addSld delSld modSld">
-      <pc:chgData name="Arjan Kamberg" userId="2cfeac95-aab1-41a7-bca5-796b19d85bc0" providerId="ADAL" clId="{1F68057E-D222-1C44-B14D-8A6BCB7AE3CC}" dt="2020-05-05T11:37:52.317" v="40" actId="2696"/>
+    <pc:chgData name="Arjan Kamberg" userId="2cfeac95-aab1-41a7-bca5-796b19d85bc0" providerId="ADAL" clId="{C3BEDB41-8345-1840-AD09-E0FCAE42DB1D}"/>
+    <pc:docChg chg="custSel addSld delSld modSld sldOrd">
+      <pc:chgData name="Arjan Kamberg" userId="2cfeac95-aab1-41a7-bca5-796b19d85bc0" providerId="ADAL" clId="{C3BEDB41-8345-1840-AD09-E0FCAE42DB1D}" dt="2020-05-10T12:38:46.776" v="1090" actId="20577"/>
       <pc:docMkLst>
         <pc:docMk/>
       </pc:docMkLst>
       <pc:sldChg chg="modSp">
-        <pc:chgData name="Arjan Kamberg" userId="2cfeac95-aab1-41a7-bca5-796b19d85bc0" providerId="ADAL" clId="{1F68057E-D222-1C44-B14D-8A6BCB7AE3CC}" dt="2020-05-05T11:37:26.195" v="21" actId="20577"/>
+        <pc:chgData name="Arjan Kamberg" userId="2cfeac95-aab1-41a7-bca5-796b19d85bc0" providerId="ADAL" clId="{C3BEDB41-8345-1840-AD09-E0FCAE42DB1D}" dt="2020-05-10T11:59:41.876" v="18" actId="20577"/>
         <pc:sldMkLst>
           <pc:docMk/>
           <pc:sldMk cId="248983296" sldId="256"/>
         </pc:sldMkLst>
         <pc:spChg chg="mod">
-          <ac:chgData name="Arjan Kamberg" userId="2cfeac95-aab1-41a7-bca5-796b19d85bc0" providerId="ADAL" clId="{1F68057E-D222-1C44-B14D-8A6BCB7AE3CC}" dt="2020-05-05T11:37:26.195" v="21" actId="20577"/>
+          <ac:chgData name="Arjan Kamberg" userId="2cfeac95-aab1-41a7-bca5-796b19d85bc0" providerId="ADAL" clId="{C3BEDB41-8345-1840-AD09-E0FCAE42DB1D}" dt="2020-05-10T11:59:41.876" v="18" actId="20577"/>
           <ac:spMkLst>
             <pc:docMk/>
             <pc:sldMk cId="248983296" sldId="256"/>
@@ -756,131 +756,112 @@
           </ac:spMkLst>
         </pc:spChg>
       </pc:sldChg>
-      <pc:sldChg chg="add del">
-        <pc:chgData name="Arjan Kamberg" userId="2cfeac95-aab1-41a7-bca5-796b19d85bc0" providerId="ADAL" clId="{1F68057E-D222-1C44-B14D-8A6BCB7AE3CC}" dt="2020-05-05T11:37:52.317" v="40" actId="2696"/>
-        <pc:sldMkLst>
-          <pc:docMk/>
-          <pc:sldMk cId="2201371550" sldId="260"/>
-        </pc:sldMkLst>
-      </pc:sldChg>
-      <pc:sldChg chg="add">
-        <pc:chgData name="Arjan Kamberg" userId="2cfeac95-aab1-41a7-bca5-796b19d85bc0" providerId="ADAL" clId="{1F68057E-D222-1C44-B14D-8A6BCB7AE3CC}" dt="2020-05-05T11:37:50.663" v="39"/>
+      <pc:sldChg chg="addSp delSp modSp">
+        <pc:chgData name="Arjan Kamberg" userId="2cfeac95-aab1-41a7-bca5-796b19d85bc0" providerId="ADAL" clId="{C3BEDB41-8345-1840-AD09-E0FCAE42DB1D}" dt="2020-05-10T12:38:46.776" v="1090" actId="20577"/>
         <pc:sldMkLst>
           <pc:docMk/>
           <pc:sldMk cId="3853052487" sldId="261"/>
         </pc:sldMkLst>
+        <pc:spChg chg="mod">
+          <ac:chgData name="Arjan Kamberg" userId="2cfeac95-aab1-41a7-bca5-796b19d85bc0" providerId="ADAL" clId="{C3BEDB41-8345-1840-AD09-E0FCAE42DB1D}" dt="2020-05-10T12:38:46.776" v="1090" actId="20577"/>
+          <ac:spMkLst>
+            <pc:docMk/>
+            <pc:sldMk cId="3853052487" sldId="261"/>
+            <ac:spMk id="2" creationId="{B390DB11-6C3A-7C4F-8CB6-7A47D630B72D}"/>
+          </ac:spMkLst>
+        </pc:spChg>
+        <pc:spChg chg="del">
+          <ac:chgData name="Arjan Kamberg" userId="2cfeac95-aab1-41a7-bca5-796b19d85bc0" providerId="ADAL" clId="{C3BEDB41-8345-1840-AD09-E0FCAE42DB1D}" dt="2020-05-10T11:59:54.536" v="21" actId="478"/>
+          <ac:spMkLst>
+            <pc:docMk/>
+            <pc:sldMk cId="3853052487" sldId="261"/>
+            <ac:spMk id="3" creationId="{7C74E005-4FB1-794C-B840-6E8005577187}"/>
+          </ac:spMkLst>
+        </pc:spChg>
+        <pc:spChg chg="add del mod">
+          <ac:chgData name="Arjan Kamberg" userId="2cfeac95-aab1-41a7-bca5-796b19d85bc0" providerId="ADAL" clId="{C3BEDB41-8345-1840-AD09-E0FCAE42DB1D}" dt="2020-05-10T12:00:11.943" v="45"/>
+          <ac:spMkLst>
+            <pc:docMk/>
+            <pc:sldMk cId="3853052487" sldId="261"/>
+            <ac:spMk id="5" creationId="{3292A7C1-EDFA-7D4F-BD42-A680130C2582}"/>
+          </ac:spMkLst>
+        </pc:spChg>
+        <pc:picChg chg="add mod">
+          <ac:chgData name="Arjan Kamberg" userId="2cfeac95-aab1-41a7-bca5-796b19d85bc0" providerId="ADAL" clId="{C3BEDB41-8345-1840-AD09-E0FCAE42DB1D}" dt="2020-05-10T12:00:09.227" v="43" actId="1076"/>
+          <ac:picMkLst>
+            <pc:docMk/>
+            <pc:sldMk cId="3853052487" sldId="261"/>
+            <ac:picMk id="4" creationId="{1AF7B5D0-5903-3E43-B784-21625F14BFDC}"/>
+          </ac:picMkLst>
+        </pc:picChg>
       </pc:sldChg>
-      <pc:sldChg chg="del">
-        <pc:chgData name="Arjan Kamberg" userId="2cfeac95-aab1-41a7-bca5-796b19d85bc0" providerId="ADAL" clId="{1F68057E-D222-1C44-B14D-8A6BCB7AE3CC}" dt="2020-05-05T11:37:36.049" v="24" actId="2696"/>
+      <pc:sldChg chg="add del">
+        <pc:chgData name="Arjan Kamberg" userId="2cfeac95-aab1-41a7-bca5-796b19d85bc0" providerId="ADAL" clId="{C3BEDB41-8345-1840-AD09-E0FCAE42DB1D}" dt="2020-05-10T12:04:45.241" v="47" actId="2696"/>
         <pc:sldMkLst>
           <pc:docMk/>
-          <pc:sldMk cId="1108633456" sldId="355"/>
+          <pc:sldMk cId="1370858775" sldId="262"/>
         </pc:sldMkLst>
       </pc:sldChg>
-      <pc:sldChg chg="del">
-        <pc:chgData name="Arjan Kamberg" userId="2cfeac95-aab1-41a7-bca5-796b19d85bc0" providerId="ADAL" clId="{1F68057E-D222-1C44-B14D-8A6BCB7AE3CC}" dt="2020-05-05T11:37:36.186" v="33" actId="2696"/>
+      <pc:sldChg chg="modSp add">
+        <pc:chgData name="Arjan Kamberg" userId="2cfeac95-aab1-41a7-bca5-796b19d85bc0" providerId="ADAL" clId="{C3BEDB41-8345-1840-AD09-E0FCAE42DB1D}" dt="2020-05-10T12:09:25.762" v="744" actId="20577"/>
         <pc:sldMkLst>
           <pc:docMk/>
-          <pc:sldMk cId="671712409" sldId="375"/>
+          <pc:sldMk cId="2587390355" sldId="262"/>
         </pc:sldMkLst>
+        <pc:spChg chg="mod">
+          <ac:chgData name="Arjan Kamberg" userId="2cfeac95-aab1-41a7-bca5-796b19d85bc0" providerId="ADAL" clId="{C3BEDB41-8345-1840-AD09-E0FCAE42DB1D}" dt="2020-05-10T12:04:56.131" v="73" actId="20577"/>
+          <ac:spMkLst>
+            <pc:docMk/>
+            <pc:sldMk cId="2587390355" sldId="262"/>
+            <ac:spMk id="2" creationId="{7A486AC9-989A-3347-B896-3A579B38EC22}"/>
+          </ac:spMkLst>
+        </pc:spChg>
+        <pc:spChg chg="mod">
+          <ac:chgData name="Arjan Kamberg" userId="2cfeac95-aab1-41a7-bca5-796b19d85bc0" providerId="ADAL" clId="{C3BEDB41-8345-1840-AD09-E0FCAE42DB1D}" dt="2020-05-10T12:09:25.762" v="744" actId="20577"/>
+          <ac:spMkLst>
+            <pc:docMk/>
+            <pc:sldMk cId="2587390355" sldId="262"/>
+            <ac:spMk id="3" creationId="{BFAD7E47-2AAC-FE47-8860-C030391C9BA2}"/>
+          </ac:spMkLst>
+        </pc:spChg>
       </pc:sldChg>
-      <pc:sldChg chg="del">
-        <pc:chgData name="Arjan Kamberg" userId="2cfeac95-aab1-41a7-bca5-796b19d85bc0" providerId="ADAL" clId="{1F68057E-D222-1C44-B14D-8A6BCB7AE3CC}" dt="2020-05-05T11:37:36.011" v="22" actId="2696"/>
+      <pc:sldChg chg="modSp add ord">
+        <pc:chgData name="Arjan Kamberg" userId="2cfeac95-aab1-41a7-bca5-796b19d85bc0" providerId="ADAL" clId="{C3BEDB41-8345-1840-AD09-E0FCAE42DB1D}" dt="2020-05-10T12:36:40.457" v="1049" actId="5793"/>
         <pc:sldMkLst>
           <pc:docMk/>
-          <pc:sldMk cId="1238913291" sldId="376"/>
+          <pc:sldMk cId="3447780263" sldId="263"/>
         </pc:sldMkLst>
+        <pc:spChg chg="mod">
+          <ac:chgData name="Arjan Kamberg" userId="2cfeac95-aab1-41a7-bca5-796b19d85bc0" providerId="ADAL" clId="{C3BEDB41-8345-1840-AD09-E0FCAE42DB1D}" dt="2020-05-10T12:36:35.240" v="1046" actId="20577"/>
+          <ac:spMkLst>
+            <pc:docMk/>
+            <pc:sldMk cId="3447780263" sldId="263"/>
+            <ac:spMk id="2" creationId="{3CB551ED-8AEF-F949-BAB5-94C2DCE059E6}"/>
+          </ac:spMkLst>
+        </pc:spChg>
+        <pc:spChg chg="mod">
+          <ac:chgData name="Arjan Kamberg" userId="2cfeac95-aab1-41a7-bca5-796b19d85bc0" providerId="ADAL" clId="{C3BEDB41-8345-1840-AD09-E0FCAE42DB1D}" dt="2020-05-10T12:36:40.457" v="1049" actId="5793"/>
+          <ac:spMkLst>
+            <pc:docMk/>
+            <pc:sldMk cId="3447780263" sldId="263"/>
+            <ac:spMk id="3" creationId="{FA73F8E3-7F11-1142-A941-AD2FDDE45C79}"/>
+          </ac:spMkLst>
+        </pc:spChg>
       </pc:sldChg>
-      <pc:sldChg chg="del">
-        <pc:chgData name="Arjan Kamberg" userId="2cfeac95-aab1-41a7-bca5-796b19d85bc0" providerId="ADAL" clId="{1F68057E-D222-1C44-B14D-8A6BCB7AE3CC}" dt="2020-05-05T11:37:36.030" v="23" actId="2696"/>
+      <pc:sldChg chg="modSp add">
+        <pc:chgData name="Arjan Kamberg" userId="2cfeac95-aab1-41a7-bca5-796b19d85bc0" providerId="ADAL" clId="{C3BEDB41-8345-1840-AD09-E0FCAE42DB1D}" dt="2020-05-10T12:38:22.705" v="1061" actId="14100"/>
         <pc:sldMkLst>
           <pc:docMk/>
-          <pc:sldMk cId="10263940" sldId="377"/>
+          <pc:sldMk cId="3763846611" sldId="264"/>
         </pc:sldMkLst>
-      </pc:sldChg>
-      <pc:sldChg chg="del">
-        <pc:chgData name="Arjan Kamberg" userId="2cfeac95-aab1-41a7-bca5-796b19d85bc0" providerId="ADAL" clId="{1F68057E-D222-1C44-B14D-8A6BCB7AE3CC}" dt="2020-05-05T11:37:36.066" v="25" actId="2696"/>
-        <pc:sldMkLst>
-          <pc:docMk/>
-          <pc:sldMk cId="1862979355" sldId="378"/>
-        </pc:sldMkLst>
-      </pc:sldChg>
-      <pc:sldChg chg="del">
-        <pc:chgData name="Arjan Kamberg" userId="2cfeac95-aab1-41a7-bca5-796b19d85bc0" providerId="ADAL" clId="{1F68057E-D222-1C44-B14D-8A6BCB7AE3CC}" dt="2020-05-05T11:37:36.084" v="26" actId="2696"/>
-        <pc:sldMkLst>
-          <pc:docMk/>
-          <pc:sldMk cId="3745794064" sldId="379"/>
-        </pc:sldMkLst>
-      </pc:sldChg>
-      <pc:sldChg chg="del">
-        <pc:chgData name="Arjan Kamberg" userId="2cfeac95-aab1-41a7-bca5-796b19d85bc0" providerId="ADAL" clId="{1F68057E-D222-1C44-B14D-8A6BCB7AE3CC}" dt="2020-05-05T11:37:36.101" v="27" actId="2696"/>
-        <pc:sldMkLst>
-          <pc:docMk/>
-          <pc:sldMk cId="2670060949" sldId="380"/>
-        </pc:sldMkLst>
-      </pc:sldChg>
-      <pc:sldChg chg="del">
-        <pc:chgData name="Arjan Kamberg" userId="2cfeac95-aab1-41a7-bca5-796b19d85bc0" providerId="ADAL" clId="{1F68057E-D222-1C44-B14D-8A6BCB7AE3CC}" dt="2020-05-05T11:37:36.113" v="28" actId="2696"/>
-        <pc:sldMkLst>
-          <pc:docMk/>
-          <pc:sldMk cId="1270105276" sldId="381"/>
-        </pc:sldMkLst>
-      </pc:sldChg>
-      <pc:sldChg chg="del">
-        <pc:chgData name="Arjan Kamberg" userId="2cfeac95-aab1-41a7-bca5-796b19d85bc0" providerId="ADAL" clId="{1F68057E-D222-1C44-B14D-8A6BCB7AE3CC}" dt="2020-05-05T11:37:36.130" v="29" actId="2696"/>
-        <pc:sldMkLst>
-          <pc:docMk/>
-          <pc:sldMk cId="4200993789" sldId="382"/>
-        </pc:sldMkLst>
-      </pc:sldChg>
-      <pc:sldChg chg="del">
-        <pc:chgData name="Arjan Kamberg" userId="2cfeac95-aab1-41a7-bca5-796b19d85bc0" providerId="ADAL" clId="{1F68057E-D222-1C44-B14D-8A6BCB7AE3CC}" dt="2020-05-05T11:37:36.149" v="30" actId="2696"/>
-        <pc:sldMkLst>
-          <pc:docMk/>
-          <pc:sldMk cId="3442306415" sldId="383"/>
-        </pc:sldMkLst>
-      </pc:sldChg>
-      <pc:sldChg chg="del">
-        <pc:chgData name="Arjan Kamberg" userId="2cfeac95-aab1-41a7-bca5-796b19d85bc0" providerId="ADAL" clId="{1F68057E-D222-1C44-B14D-8A6BCB7AE3CC}" dt="2020-05-05T11:37:36.159" v="31" actId="2696"/>
-        <pc:sldMkLst>
-          <pc:docMk/>
-          <pc:sldMk cId="904995356" sldId="384"/>
-        </pc:sldMkLst>
-      </pc:sldChg>
-      <pc:sldChg chg="del">
-        <pc:chgData name="Arjan Kamberg" userId="2cfeac95-aab1-41a7-bca5-796b19d85bc0" providerId="ADAL" clId="{1F68057E-D222-1C44-B14D-8A6BCB7AE3CC}" dt="2020-05-05T11:37:36.168" v="32" actId="2696"/>
-        <pc:sldMkLst>
-          <pc:docMk/>
-          <pc:sldMk cId="3268957528" sldId="385"/>
-        </pc:sldMkLst>
-      </pc:sldChg>
-      <pc:sldChg chg="del">
-        <pc:chgData name="Arjan Kamberg" userId="2cfeac95-aab1-41a7-bca5-796b19d85bc0" providerId="ADAL" clId="{1F68057E-D222-1C44-B14D-8A6BCB7AE3CC}" dt="2020-05-05T11:37:36.203" v="34" actId="2696"/>
-        <pc:sldMkLst>
-          <pc:docMk/>
-          <pc:sldMk cId="2256813395" sldId="386"/>
-        </pc:sldMkLst>
-      </pc:sldChg>
-      <pc:sldChg chg="del">
-        <pc:chgData name="Arjan Kamberg" userId="2cfeac95-aab1-41a7-bca5-796b19d85bc0" providerId="ADAL" clId="{1F68057E-D222-1C44-B14D-8A6BCB7AE3CC}" dt="2020-05-05T11:37:36.218" v="35" actId="2696"/>
-        <pc:sldMkLst>
-          <pc:docMk/>
-          <pc:sldMk cId="4181898349" sldId="387"/>
-        </pc:sldMkLst>
-      </pc:sldChg>
-      <pc:sldChg chg="del">
-        <pc:chgData name="Arjan Kamberg" userId="2cfeac95-aab1-41a7-bca5-796b19d85bc0" providerId="ADAL" clId="{1F68057E-D222-1C44-B14D-8A6BCB7AE3CC}" dt="2020-05-05T11:37:36.234" v="36" actId="2696"/>
-        <pc:sldMkLst>
-          <pc:docMk/>
-          <pc:sldMk cId="3654819338" sldId="388"/>
-        </pc:sldMkLst>
-      </pc:sldChg>
-      <pc:sldChg chg="del">
-        <pc:chgData name="Arjan Kamberg" userId="2cfeac95-aab1-41a7-bca5-796b19d85bc0" providerId="ADAL" clId="{1F68057E-D222-1C44-B14D-8A6BCB7AE3CC}" dt="2020-05-05T11:37:36.241" v="37" actId="2696"/>
-        <pc:sldMkLst>
-          <pc:docMk/>
-          <pc:sldMk cId="3749158195" sldId="389"/>
-        </pc:sldMkLst>
+        <pc:spChg chg="mod">
+          <ac:chgData name="Arjan Kamberg" userId="2cfeac95-aab1-41a7-bca5-796b19d85bc0" providerId="ADAL" clId="{C3BEDB41-8345-1840-AD09-E0FCAE42DB1D}" dt="2020-05-10T12:38:22.705" v="1061" actId="14100"/>
+          <ac:spMkLst>
+            <pc:docMk/>
+            <pc:sldMk cId="3763846611" sldId="264"/>
+            <ac:spMk id="3" creationId="{FA73F8E3-7F11-1142-A941-AD2FDDE45C79}"/>
+          </ac:spMkLst>
+        </pc:spChg>
       </pc:sldChg>
     </pc:docChg>
   </pc:docChgLst>
@@ -1091,20 +1072,20 @@
     </pc:docChg>
   </pc:docChgLst>
   <pc:docChgLst>
-    <pc:chgData name="Arjan Kamberg" userId="2cfeac95-aab1-41a7-bca5-796b19d85bc0" providerId="ADAL" clId="{C3BEDB41-8345-1840-AD09-E0FCAE42DB1D}"/>
-    <pc:docChg chg="custSel addSld delSld modSld sldOrd">
-      <pc:chgData name="Arjan Kamberg" userId="2cfeac95-aab1-41a7-bca5-796b19d85bc0" providerId="ADAL" clId="{C3BEDB41-8345-1840-AD09-E0FCAE42DB1D}" dt="2020-05-10T12:38:46.776" v="1090" actId="20577"/>
+    <pc:chgData name="Arjan Kamberg" userId="2cfeac95-aab1-41a7-bca5-796b19d85bc0" providerId="ADAL" clId="{1F68057E-D222-1C44-B14D-8A6BCB7AE3CC}"/>
+    <pc:docChg chg="custSel addSld delSld modSld">
+      <pc:chgData name="Arjan Kamberg" userId="2cfeac95-aab1-41a7-bca5-796b19d85bc0" providerId="ADAL" clId="{1F68057E-D222-1C44-B14D-8A6BCB7AE3CC}" dt="2020-05-05T11:37:52.317" v="40" actId="2696"/>
       <pc:docMkLst>
         <pc:docMk/>
       </pc:docMkLst>
       <pc:sldChg chg="modSp">
-        <pc:chgData name="Arjan Kamberg" userId="2cfeac95-aab1-41a7-bca5-796b19d85bc0" providerId="ADAL" clId="{C3BEDB41-8345-1840-AD09-E0FCAE42DB1D}" dt="2020-05-10T11:59:41.876" v="18" actId="20577"/>
+        <pc:chgData name="Arjan Kamberg" userId="2cfeac95-aab1-41a7-bca5-796b19d85bc0" providerId="ADAL" clId="{1F68057E-D222-1C44-B14D-8A6BCB7AE3CC}" dt="2020-05-05T11:37:26.195" v="21" actId="20577"/>
         <pc:sldMkLst>
           <pc:docMk/>
           <pc:sldMk cId="248983296" sldId="256"/>
         </pc:sldMkLst>
         <pc:spChg chg="mod">
-          <ac:chgData name="Arjan Kamberg" userId="2cfeac95-aab1-41a7-bca5-796b19d85bc0" providerId="ADAL" clId="{C3BEDB41-8345-1840-AD09-E0FCAE42DB1D}" dt="2020-05-10T11:59:41.876" v="18" actId="20577"/>
+          <ac:chgData name="Arjan Kamberg" userId="2cfeac95-aab1-41a7-bca5-796b19d85bc0" providerId="ADAL" clId="{1F68057E-D222-1C44-B14D-8A6BCB7AE3CC}" dt="2020-05-05T11:37:26.195" v="21" actId="20577"/>
           <ac:spMkLst>
             <pc:docMk/>
             <pc:sldMk cId="248983296" sldId="256"/>
@@ -1112,112 +1093,131 @@
           </ac:spMkLst>
         </pc:spChg>
       </pc:sldChg>
-      <pc:sldChg chg="addSp delSp modSp">
-        <pc:chgData name="Arjan Kamberg" userId="2cfeac95-aab1-41a7-bca5-796b19d85bc0" providerId="ADAL" clId="{C3BEDB41-8345-1840-AD09-E0FCAE42DB1D}" dt="2020-05-10T12:38:46.776" v="1090" actId="20577"/>
+      <pc:sldChg chg="add del">
+        <pc:chgData name="Arjan Kamberg" userId="2cfeac95-aab1-41a7-bca5-796b19d85bc0" providerId="ADAL" clId="{1F68057E-D222-1C44-B14D-8A6BCB7AE3CC}" dt="2020-05-05T11:37:52.317" v="40" actId="2696"/>
+        <pc:sldMkLst>
+          <pc:docMk/>
+          <pc:sldMk cId="2201371550" sldId="260"/>
+        </pc:sldMkLst>
+      </pc:sldChg>
+      <pc:sldChg chg="add">
+        <pc:chgData name="Arjan Kamberg" userId="2cfeac95-aab1-41a7-bca5-796b19d85bc0" providerId="ADAL" clId="{1F68057E-D222-1C44-B14D-8A6BCB7AE3CC}" dt="2020-05-05T11:37:50.663" v="39"/>
         <pc:sldMkLst>
           <pc:docMk/>
           <pc:sldMk cId="3853052487" sldId="261"/>
         </pc:sldMkLst>
-        <pc:spChg chg="mod">
-          <ac:chgData name="Arjan Kamberg" userId="2cfeac95-aab1-41a7-bca5-796b19d85bc0" providerId="ADAL" clId="{C3BEDB41-8345-1840-AD09-E0FCAE42DB1D}" dt="2020-05-10T12:38:46.776" v="1090" actId="20577"/>
-          <ac:spMkLst>
-            <pc:docMk/>
-            <pc:sldMk cId="3853052487" sldId="261"/>
-            <ac:spMk id="2" creationId="{B390DB11-6C3A-7C4F-8CB6-7A47D630B72D}"/>
-          </ac:spMkLst>
-        </pc:spChg>
-        <pc:spChg chg="del">
-          <ac:chgData name="Arjan Kamberg" userId="2cfeac95-aab1-41a7-bca5-796b19d85bc0" providerId="ADAL" clId="{C3BEDB41-8345-1840-AD09-E0FCAE42DB1D}" dt="2020-05-10T11:59:54.536" v="21" actId="478"/>
-          <ac:spMkLst>
-            <pc:docMk/>
-            <pc:sldMk cId="3853052487" sldId="261"/>
-            <ac:spMk id="3" creationId="{7C74E005-4FB1-794C-B840-6E8005577187}"/>
-          </ac:spMkLst>
-        </pc:spChg>
-        <pc:spChg chg="add del mod">
-          <ac:chgData name="Arjan Kamberg" userId="2cfeac95-aab1-41a7-bca5-796b19d85bc0" providerId="ADAL" clId="{C3BEDB41-8345-1840-AD09-E0FCAE42DB1D}" dt="2020-05-10T12:00:11.943" v="45"/>
-          <ac:spMkLst>
-            <pc:docMk/>
-            <pc:sldMk cId="3853052487" sldId="261"/>
-            <ac:spMk id="5" creationId="{3292A7C1-EDFA-7D4F-BD42-A680130C2582}"/>
-          </ac:spMkLst>
-        </pc:spChg>
-        <pc:picChg chg="add mod">
-          <ac:chgData name="Arjan Kamberg" userId="2cfeac95-aab1-41a7-bca5-796b19d85bc0" providerId="ADAL" clId="{C3BEDB41-8345-1840-AD09-E0FCAE42DB1D}" dt="2020-05-10T12:00:09.227" v="43" actId="1076"/>
-          <ac:picMkLst>
-            <pc:docMk/>
-            <pc:sldMk cId="3853052487" sldId="261"/>
-            <ac:picMk id="4" creationId="{1AF7B5D0-5903-3E43-B784-21625F14BFDC}"/>
-          </ac:picMkLst>
-        </pc:picChg>
       </pc:sldChg>
-      <pc:sldChg chg="add del">
-        <pc:chgData name="Arjan Kamberg" userId="2cfeac95-aab1-41a7-bca5-796b19d85bc0" providerId="ADAL" clId="{C3BEDB41-8345-1840-AD09-E0FCAE42DB1D}" dt="2020-05-10T12:04:45.241" v="47" actId="2696"/>
+      <pc:sldChg chg="del">
+        <pc:chgData name="Arjan Kamberg" userId="2cfeac95-aab1-41a7-bca5-796b19d85bc0" providerId="ADAL" clId="{1F68057E-D222-1C44-B14D-8A6BCB7AE3CC}" dt="2020-05-05T11:37:36.049" v="24" actId="2696"/>
         <pc:sldMkLst>
           <pc:docMk/>
-          <pc:sldMk cId="1370858775" sldId="262"/>
+          <pc:sldMk cId="1108633456" sldId="355"/>
         </pc:sldMkLst>
       </pc:sldChg>
-      <pc:sldChg chg="modSp add">
-        <pc:chgData name="Arjan Kamberg" userId="2cfeac95-aab1-41a7-bca5-796b19d85bc0" providerId="ADAL" clId="{C3BEDB41-8345-1840-AD09-E0FCAE42DB1D}" dt="2020-05-10T12:09:25.762" v="744" actId="20577"/>
+      <pc:sldChg chg="del">
+        <pc:chgData name="Arjan Kamberg" userId="2cfeac95-aab1-41a7-bca5-796b19d85bc0" providerId="ADAL" clId="{1F68057E-D222-1C44-B14D-8A6BCB7AE3CC}" dt="2020-05-05T11:37:36.186" v="33" actId="2696"/>
         <pc:sldMkLst>
           <pc:docMk/>
-          <pc:sldMk cId="2587390355" sldId="262"/>
+          <pc:sldMk cId="671712409" sldId="375"/>
         </pc:sldMkLst>
-        <pc:spChg chg="mod">
-          <ac:chgData name="Arjan Kamberg" userId="2cfeac95-aab1-41a7-bca5-796b19d85bc0" providerId="ADAL" clId="{C3BEDB41-8345-1840-AD09-E0FCAE42DB1D}" dt="2020-05-10T12:04:56.131" v="73" actId="20577"/>
-          <ac:spMkLst>
-            <pc:docMk/>
-            <pc:sldMk cId="2587390355" sldId="262"/>
-            <ac:spMk id="2" creationId="{7A486AC9-989A-3347-B896-3A579B38EC22}"/>
-          </ac:spMkLst>
-        </pc:spChg>
-        <pc:spChg chg="mod">
-          <ac:chgData name="Arjan Kamberg" userId="2cfeac95-aab1-41a7-bca5-796b19d85bc0" providerId="ADAL" clId="{C3BEDB41-8345-1840-AD09-E0FCAE42DB1D}" dt="2020-05-10T12:09:25.762" v="744" actId="20577"/>
-          <ac:spMkLst>
-            <pc:docMk/>
-            <pc:sldMk cId="2587390355" sldId="262"/>
-            <ac:spMk id="3" creationId="{BFAD7E47-2AAC-FE47-8860-C030391C9BA2}"/>
-          </ac:spMkLst>
-        </pc:spChg>
       </pc:sldChg>
-      <pc:sldChg chg="modSp add ord">
-        <pc:chgData name="Arjan Kamberg" userId="2cfeac95-aab1-41a7-bca5-796b19d85bc0" providerId="ADAL" clId="{C3BEDB41-8345-1840-AD09-E0FCAE42DB1D}" dt="2020-05-10T12:36:40.457" v="1049" actId="5793"/>
+      <pc:sldChg chg="del">
+        <pc:chgData name="Arjan Kamberg" userId="2cfeac95-aab1-41a7-bca5-796b19d85bc0" providerId="ADAL" clId="{1F68057E-D222-1C44-B14D-8A6BCB7AE3CC}" dt="2020-05-05T11:37:36.011" v="22" actId="2696"/>
         <pc:sldMkLst>
           <pc:docMk/>
-          <pc:sldMk cId="3447780263" sldId="263"/>
+          <pc:sldMk cId="1238913291" sldId="376"/>
         </pc:sldMkLst>
-        <pc:spChg chg="mod">
-          <ac:chgData name="Arjan Kamberg" userId="2cfeac95-aab1-41a7-bca5-796b19d85bc0" providerId="ADAL" clId="{C3BEDB41-8345-1840-AD09-E0FCAE42DB1D}" dt="2020-05-10T12:36:35.240" v="1046" actId="20577"/>
-          <ac:spMkLst>
-            <pc:docMk/>
-            <pc:sldMk cId="3447780263" sldId="263"/>
-            <ac:spMk id="2" creationId="{3CB551ED-8AEF-F949-BAB5-94C2DCE059E6}"/>
-          </ac:spMkLst>
-        </pc:spChg>
-        <pc:spChg chg="mod">
-          <ac:chgData name="Arjan Kamberg" userId="2cfeac95-aab1-41a7-bca5-796b19d85bc0" providerId="ADAL" clId="{C3BEDB41-8345-1840-AD09-E0FCAE42DB1D}" dt="2020-05-10T12:36:40.457" v="1049" actId="5793"/>
-          <ac:spMkLst>
-            <pc:docMk/>
-            <pc:sldMk cId="3447780263" sldId="263"/>
-            <ac:spMk id="3" creationId="{FA73F8E3-7F11-1142-A941-AD2FDDE45C79}"/>
-          </ac:spMkLst>
-        </pc:spChg>
       </pc:sldChg>
-      <pc:sldChg chg="modSp add">
-        <pc:chgData name="Arjan Kamberg" userId="2cfeac95-aab1-41a7-bca5-796b19d85bc0" providerId="ADAL" clId="{C3BEDB41-8345-1840-AD09-E0FCAE42DB1D}" dt="2020-05-10T12:38:22.705" v="1061" actId="14100"/>
+      <pc:sldChg chg="del">
+        <pc:chgData name="Arjan Kamberg" userId="2cfeac95-aab1-41a7-bca5-796b19d85bc0" providerId="ADAL" clId="{1F68057E-D222-1C44-B14D-8A6BCB7AE3CC}" dt="2020-05-05T11:37:36.030" v="23" actId="2696"/>
         <pc:sldMkLst>
           <pc:docMk/>
-          <pc:sldMk cId="3763846611" sldId="264"/>
+          <pc:sldMk cId="10263940" sldId="377"/>
         </pc:sldMkLst>
-        <pc:spChg chg="mod">
-          <ac:chgData name="Arjan Kamberg" userId="2cfeac95-aab1-41a7-bca5-796b19d85bc0" providerId="ADAL" clId="{C3BEDB41-8345-1840-AD09-E0FCAE42DB1D}" dt="2020-05-10T12:38:22.705" v="1061" actId="14100"/>
-          <ac:spMkLst>
-            <pc:docMk/>
-            <pc:sldMk cId="3763846611" sldId="264"/>
-            <ac:spMk id="3" creationId="{FA73F8E3-7F11-1142-A941-AD2FDDE45C79}"/>
-          </ac:spMkLst>
-        </pc:spChg>
+      </pc:sldChg>
+      <pc:sldChg chg="del">
+        <pc:chgData name="Arjan Kamberg" userId="2cfeac95-aab1-41a7-bca5-796b19d85bc0" providerId="ADAL" clId="{1F68057E-D222-1C44-B14D-8A6BCB7AE3CC}" dt="2020-05-05T11:37:36.066" v="25" actId="2696"/>
+        <pc:sldMkLst>
+          <pc:docMk/>
+          <pc:sldMk cId="1862979355" sldId="378"/>
+        </pc:sldMkLst>
+      </pc:sldChg>
+      <pc:sldChg chg="del">
+        <pc:chgData name="Arjan Kamberg" userId="2cfeac95-aab1-41a7-bca5-796b19d85bc0" providerId="ADAL" clId="{1F68057E-D222-1C44-B14D-8A6BCB7AE3CC}" dt="2020-05-05T11:37:36.084" v="26" actId="2696"/>
+        <pc:sldMkLst>
+          <pc:docMk/>
+          <pc:sldMk cId="3745794064" sldId="379"/>
+        </pc:sldMkLst>
+      </pc:sldChg>
+      <pc:sldChg chg="del">
+        <pc:chgData name="Arjan Kamberg" userId="2cfeac95-aab1-41a7-bca5-796b19d85bc0" providerId="ADAL" clId="{1F68057E-D222-1C44-B14D-8A6BCB7AE3CC}" dt="2020-05-05T11:37:36.101" v="27" actId="2696"/>
+        <pc:sldMkLst>
+          <pc:docMk/>
+          <pc:sldMk cId="2670060949" sldId="380"/>
+        </pc:sldMkLst>
+      </pc:sldChg>
+      <pc:sldChg chg="del">
+        <pc:chgData name="Arjan Kamberg" userId="2cfeac95-aab1-41a7-bca5-796b19d85bc0" providerId="ADAL" clId="{1F68057E-D222-1C44-B14D-8A6BCB7AE3CC}" dt="2020-05-05T11:37:36.113" v="28" actId="2696"/>
+        <pc:sldMkLst>
+          <pc:docMk/>
+          <pc:sldMk cId="1270105276" sldId="381"/>
+        </pc:sldMkLst>
+      </pc:sldChg>
+      <pc:sldChg chg="del">
+        <pc:chgData name="Arjan Kamberg" userId="2cfeac95-aab1-41a7-bca5-796b19d85bc0" providerId="ADAL" clId="{1F68057E-D222-1C44-B14D-8A6BCB7AE3CC}" dt="2020-05-05T11:37:36.130" v="29" actId="2696"/>
+        <pc:sldMkLst>
+          <pc:docMk/>
+          <pc:sldMk cId="4200993789" sldId="382"/>
+        </pc:sldMkLst>
+      </pc:sldChg>
+      <pc:sldChg chg="del">
+        <pc:chgData name="Arjan Kamberg" userId="2cfeac95-aab1-41a7-bca5-796b19d85bc0" providerId="ADAL" clId="{1F68057E-D222-1C44-B14D-8A6BCB7AE3CC}" dt="2020-05-05T11:37:36.149" v="30" actId="2696"/>
+        <pc:sldMkLst>
+          <pc:docMk/>
+          <pc:sldMk cId="3442306415" sldId="383"/>
+        </pc:sldMkLst>
+      </pc:sldChg>
+      <pc:sldChg chg="del">
+        <pc:chgData name="Arjan Kamberg" userId="2cfeac95-aab1-41a7-bca5-796b19d85bc0" providerId="ADAL" clId="{1F68057E-D222-1C44-B14D-8A6BCB7AE3CC}" dt="2020-05-05T11:37:36.159" v="31" actId="2696"/>
+        <pc:sldMkLst>
+          <pc:docMk/>
+          <pc:sldMk cId="904995356" sldId="384"/>
+        </pc:sldMkLst>
+      </pc:sldChg>
+      <pc:sldChg chg="del">
+        <pc:chgData name="Arjan Kamberg" userId="2cfeac95-aab1-41a7-bca5-796b19d85bc0" providerId="ADAL" clId="{1F68057E-D222-1C44-B14D-8A6BCB7AE3CC}" dt="2020-05-05T11:37:36.168" v="32" actId="2696"/>
+        <pc:sldMkLst>
+          <pc:docMk/>
+          <pc:sldMk cId="3268957528" sldId="385"/>
+        </pc:sldMkLst>
+      </pc:sldChg>
+      <pc:sldChg chg="del">
+        <pc:chgData name="Arjan Kamberg" userId="2cfeac95-aab1-41a7-bca5-796b19d85bc0" providerId="ADAL" clId="{1F68057E-D222-1C44-B14D-8A6BCB7AE3CC}" dt="2020-05-05T11:37:36.203" v="34" actId="2696"/>
+        <pc:sldMkLst>
+          <pc:docMk/>
+          <pc:sldMk cId="2256813395" sldId="386"/>
+        </pc:sldMkLst>
+      </pc:sldChg>
+      <pc:sldChg chg="del">
+        <pc:chgData name="Arjan Kamberg" userId="2cfeac95-aab1-41a7-bca5-796b19d85bc0" providerId="ADAL" clId="{1F68057E-D222-1C44-B14D-8A6BCB7AE3CC}" dt="2020-05-05T11:37:36.218" v="35" actId="2696"/>
+        <pc:sldMkLst>
+          <pc:docMk/>
+          <pc:sldMk cId="4181898349" sldId="387"/>
+        </pc:sldMkLst>
+      </pc:sldChg>
+      <pc:sldChg chg="del">
+        <pc:chgData name="Arjan Kamberg" userId="2cfeac95-aab1-41a7-bca5-796b19d85bc0" providerId="ADAL" clId="{1F68057E-D222-1C44-B14D-8A6BCB7AE3CC}" dt="2020-05-05T11:37:36.234" v="36" actId="2696"/>
+        <pc:sldMkLst>
+          <pc:docMk/>
+          <pc:sldMk cId="3654819338" sldId="388"/>
+        </pc:sldMkLst>
+      </pc:sldChg>
+      <pc:sldChg chg="del">
+        <pc:chgData name="Arjan Kamberg" userId="2cfeac95-aab1-41a7-bca5-796b19d85bc0" providerId="ADAL" clId="{1F68057E-D222-1C44-B14D-8A6BCB7AE3CC}" dt="2020-05-05T11:37:36.241" v="37" actId="2696"/>
+        <pc:sldMkLst>
+          <pc:docMk/>
+          <pc:sldMk cId="3749158195" sldId="389"/>
+        </pc:sldMkLst>
       </pc:sldChg>
     </pc:docChg>
   </pc:docChgLst>
@@ -1455,7 +1455,7 @@
           <a:p>
             <a:fld id="{25ED37B6-3D2B-42F6-B75F-7E9C925A2B78}" type="datetimeFigureOut">
               <a:rPr lang="nl-NL" smtClean="0"/>
-              <a:t>7-3-2023</a:t>
+              <a:t>9-5-2023</a:t>
             </a:fld>
             <a:endParaRPr lang="nl-NL"/>
           </a:p>
@@ -1620,7 +1620,7 @@
           <a:p>
             <a:fld id="{67D95C54-6F9B-4C49-BF56-4D62B2D71ED9}" type="datetimeFigureOut">
               <a:rPr lang="nl-NL" smtClean="0"/>
-              <a:t>7-3-2023</a:t>
+              <a:t>9-5-2023</a:t>
             </a:fld>
             <a:endParaRPr lang="nl-NL"/>
           </a:p>
@@ -5931,10 +5931,6 @@
               <a:rPr lang="nl-NL" sz="8800" dirty="0"/>
               <a:t>Database</a:t>
             </a:r>
-            <a:r>
-              <a:rPr lang="nl-NL" sz="8800"/>
-              <a:t/>
-            </a:r>
             <a:br>
               <a:rPr lang="nl-NL" sz="8800"/>
             </a:br>
@@ -6154,10 +6150,6 @@
             <a:br>
               <a:rPr lang="nl-NL" sz="4000" dirty="0"/>
             </a:br>
-            <a:r>
-              <a:rPr lang="nl-NL" sz="4000" dirty="0"/>
-              <a:t/>
-            </a:r>
             <a:br>
               <a:rPr lang="nl-NL" sz="4000" dirty="0"/>
             </a:br>
@@ -6383,7 +6375,15 @@
           <a:p>
             <a:r>
               <a:rPr lang="nl-NL" dirty="0"/>
-              <a:t>Alle namen in een database zijn </a:t>
+              <a:t>Alle </a:t>
+            </a:r>
+            <a:r>
+              <a:rPr lang="nl-NL" dirty="0" err="1"/>
+              <a:t>veld-namen</a:t>
+            </a:r>
+            <a:r>
+              <a:rPr lang="nl-NL" dirty="0"/>
+              <a:t> in een database zijn </a:t>
             </a:r>
             <a:r>
               <a:rPr lang="nl-NL" dirty="0" err="1"/>
@@ -6403,7 +6403,7 @@
           <a:p>
             <a:r>
               <a:rPr lang="nl-NL" dirty="0"/>
-              <a:t>Tabel namen beginnen altijd met een hoofdletter.</a:t>
+              <a:t>Tabel namen zijn met alleen hoofdletters.</a:t>
             </a:r>
           </a:p>
           <a:p>
@@ -6499,10 +6499,9 @@
           <a:lstStyle/>
           <a:p>
             <a:r>
-              <a:rPr lang="nl-NL" dirty="0" smtClean="0"/>
+              <a:rPr lang="nl-NL" dirty="0"/>
               <a:t>Opdracht.</a:t>
             </a:r>
-            <a:endParaRPr lang="nl-NL" dirty="0"/>
           </a:p>
         </p:txBody>
       </p:sp>
@@ -6522,7 +6521,7 @@
           <a:lstStyle/>
           <a:p>
             <a:r>
-              <a:rPr lang="nl-NL" dirty="0" smtClean="0"/>
+              <a:rPr lang="nl-NL" dirty="0"/>
               <a:t>Vul de data in de database in.</a:t>
             </a:r>
           </a:p>
@@ -6531,60 +6530,59 @@
           </a:p>
           <a:p>
             <a:r>
-              <a:rPr lang="nl-NL" dirty="0" smtClean="0"/>
+              <a:rPr lang="nl-NL" dirty="0"/>
               <a:t>We maken 3 </a:t>
             </a:r>
             <a:r>
-              <a:rPr lang="nl-NL" dirty="0" err="1" smtClean="0"/>
+              <a:rPr lang="nl-NL" dirty="0" err="1"/>
               <a:t>State’s</a:t>
             </a:r>
             <a:r>
-              <a:rPr lang="nl-NL" dirty="0" smtClean="0"/>
+              <a:rPr lang="nl-NL" dirty="0"/>
               <a:t> aan.. Nederland, </a:t>
             </a:r>
             <a:r>
-              <a:rPr lang="nl-NL" dirty="0" err="1" smtClean="0"/>
+              <a:rPr lang="nl-NL" dirty="0" err="1"/>
               <a:t>Belgie</a:t>
             </a:r>
             <a:r>
-              <a:rPr lang="nl-NL" dirty="0" smtClean="0"/>
+              <a:rPr lang="nl-NL" dirty="0"/>
               <a:t>, Duitsland</a:t>
             </a:r>
           </a:p>
           <a:p>
             <a:r>
-              <a:rPr lang="nl-NL" dirty="0" smtClean="0"/>
+              <a:rPr lang="nl-NL" dirty="0"/>
               <a:t>We maken voor iedere state 3 </a:t>
             </a:r>
             <a:r>
-              <a:rPr lang="nl-NL" dirty="0" err="1" smtClean="0"/>
+              <a:rPr lang="nl-NL" dirty="0" err="1"/>
               <a:t>cities</a:t>
             </a:r>
             <a:r>
-              <a:rPr lang="nl-NL" dirty="0" smtClean="0"/>
+              <a:rPr lang="nl-NL" dirty="0"/>
               <a:t> aan in de City tabel</a:t>
             </a:r>
           </a:p>
           <a:p>
             <a:r>
-              <a:rPr lang="nl-NL" dirty="0" smtClean="0"/>
+              <a:rPr lang="nl-NL" dirty="0"/>
               <a:t>We vullen 2 genders in</a:t>
             </a:r>
           </a:p>
           <a:p>
             <a:r>
-              <a:rPr lang="nl-NL" dirty="0" smtClean="0"/>
+              <a:rPr lang="nl-NL" dirty="0"/>
               <a:t>We maken 18 personen met allemaal verschillende </a:t>
             </a:r>
             <a:r>
-              <a:rPr lang="nl-NL" dirty="0" err="1" smtClean="0"/>
+              <a:rPr lang="nl-NL" dirty="0" err="1"/>
               <a:t>cities</a:t>
             </a:r>
             <a:r>
-              <a:rPr lang="nl-NL" dirty="0" smtClean="0"/>
+              <a:rPr lang="nl-NL" dirty="0"/>
               <a:t> en genders</a:t>
             </a:r>
-            <a:endParaRPr lang="nl-NL" dirty="0"/>
           </a:p>
         </p:txBody>
       </p:sp>
@@ -8056,6 +8054,12 @@
 </file>
 
 <file path=customXml/item1.xml><?xml version="1.0" encoding="utf-8"?>
+<p:properties xmlns:p="http://schemas.microsoft.com/office/2006/metadata/properties" xmlns:xsi="http://www.w3.org/2001/XMLSchema-instance" xmlns:pc="http://schemas.microsoft.com/office/infopath/2007/PartnerControls">
+  <documentManagement/>
+</p:properties>
+</file>
+
+<file path=customXml/item2.xml><?xml version="1.0" encoding="utf-8"?>
 <ct:contentTypeSchema xmlns:ct="http://schemas.microsoft.com/office/2006/metadata/contentType" xmlns:ma="http://schemas.microsoft.com/office/2006/metadata/properties/metaAttributes" ct:_="" ma:_="" ma:contentTypeName="Document" ma:contentTypeID="0x01010071183D35A8F1EF409C2A58119255BD51" ma:contentTypeVersion="10" ma:contentTypeDescription="Create a new document." ma:contentTypeScope="" ma:versionID="f48f5e5584f6b26c40666fa8cfe11f4a">
   <xsd:schema xmlns:xsd="http://www.w3.org/2001/XMLSchema" xmlns:xs="http://www.w3.org/2001/XMLSchema" xmlns:p="http://schemas.microsoft.com/office/2006/metadata/properties" xmlns:ns3="155d8b4b-1d93-4b77-8e3d-2de10f2ea481" targetNamespace="http://schemas.microsoft.com/office/2006/metadata/properties" ma:root="true" ma:fieldsID="ad8426b89cf55dba45384d04d3e42e9d" ns3:_="">
     <xsd:import namespace="155d8b4b-1d93-4b77-8e3d-2de10f2ea481"/>
@@ -8239,12 +8243,6 @@
 </ct:contentTypeSchema>
 </file>
 
-<file path=customXml/item2.xml><?xml version="1.0" encoding="utf-8"?>
-<p:properties xmlns:p="http://schemas.microsoft.com/office/2006/metadata/properties" xmlns:xsi="http://www.w3.org/2001/XMLSchema-instance" xmlns:pc="http://schemas.microsoft.com/office/infopath/2007/PartnerControls">
-  <documentManagement/>
-</p:properties>
-</file>
-
 <file path=customXml/item3.xml><?xml version="1.0" encoding="utf-8"?>
 <?mso-contentType ?>
 <FormTemplates xmlns="http://schemas.microsoft.com/sharepoint/v3/contenttype/forms">
@@ -8255,6 +8253,22 @@
 </file>
 
 <file path=customXml/itemProps1.xml><?xml version="1.0" encoding="utf-8"?>
+<ds:datastoreItem xmlns:ds="http://schemas.openxmlformats.org/officeDocument/2006/customXml" ds:itemID="{A03AAC8F-903D-4F48-B309-C4EB3B4EEDDC}">
+  <ds:schemaRefs>
+    <ds:schemaRef ds:uri="http://purl.org/dc/terms/"/>
+    <ds:schemaRef ds:uri="http://schemas.openxmlformats.org/package/2006/metadata/core-properties"/>
+    <ds:schemaRef ds:uri="155d8b4b-1d93-4b77-8e3d-2de10f2ea481"/>
+    <ds:schemaRef ds:uri="http://schemas.microsoft.com/office/2006/documentManagement/types"/>
+    <ds:schemaRef ds:uri="http://schemas.microsoft.com/office/infopath/2007/PartnerControls"/>
+    <ds:schemaRef ds:uri="http://purl.org/dc/elements/1.1/"/>
+    <ds:schemaRef ds:uri="http://schemas.microsoft.com/office/2006/metadata/properties"/>
+    <ds:schemaRef ds:uri="http://www.w3.org/XML/1998/namespace"/>
+    <ds:schemaRef ds:uri="http://purl.org/dc/dcmitype/"/>
+  </ds:schemaRefs>
+</ds:datastoreItem>
+</file>
+
+<file path=customXml/itemProps2.xml><?xml version="1.0" encoding="utf-8"?>
 <ds:datastoreItem xmlns:ds="http://schemas.openxmlformats.org/officeDocument/2006/customXml" ds:itemID="{3A6D4C96-AEBA-499A-BC7A-6B994F8C37DB}">
   <ds:schemaRefs>
     <ds:schemaRef ds:uri="http://schemas.microsoft.com/office/2006/metadata/contentType"/>
@@ -8272,22 +8286,6 @@
 </ds:datastoreItem>
 </file>
 
-<file path=customXml/itemProps2.xml><?xml version="1.0" encoding="utf-8"?>
-<ds:datastoreItem xmlns:ds="http://schemas.openxmlformats.org/officeDocument/2006/customXml" ds:itemID="{A03AAC8F-903D-4F48-B309-C4EB3B4EEDDC}">
-  <ds:schemaRefs>
-    <ds:schemaRef ds:uri="http://purl.org/dc/terms/"/>
-    <ds:schemaRef ds:uri="http://schemas.openxmlformats.org/package/2006/metadata/core-properties"/>
-    <ds:schemaRef ds:uri="155d8b4b-1d93-4b77-8e3d-2de10f2ea481"/>
-    <ds:schemaRef ds:uri="http://schemas.microsoft.com/office/2006/documentManagement/types"/>
-    <ds:schemaRef ds:uri="http://schemas.microsoft.com/office/infopath/2007/PartnerControls"/>
-    <ds:schemaRef ds:uri="http://purl.org/dc/elements/1.1/"/>
-    <ds:schemaRef ds:uri="http://schemas.microsoft.com/office/2006/metadata/properties"/>
-    <ds:schemaRef ds:uri="http://www.w3.org/XML/1998/namespace"/>
-    <ds:schemaRef ds:uri="http://purl.org/dc/dcmitype/"/>
-  </ds:schemaRefs>
-</ds:datastoreItem>
-</file>
-
 <file path=customXml/itemProps3.xml><?xml version="1.0" encoding="utf-8"?>
 <ds:datastoreItem xmlns:ds="http://schemas.openxmlformats.org/officeDocument/2006/customXml" ds:itemID="{C58370CC-8AF3-4E85-911D-3C7AD1FAAE10}">
   <ds:schemaRefs>
